--- a/Original/Files/慧与大数据/AI课程/量化投资交易 homework.pptx
+++ b/Original/Files/慧与大数据/AI课程/量化投资交易 homework.pptx
@@ -39482,19 +39482,7 @@
               <a:rPr lang="zh-CN" altLang="en-US">
                 <a:sym typeface="+mn-ea"/>
               </a:rPr>
-              <a:t>标准</a:t>
-            </a:r>
-            <a:r>
-              <a:rPr lang="zh-CN" altLang="en-US">
-                <a:sym typeface="+mn-ea"/>
-              </a:rPr>
-              <a:t>化；</a:t>
-            </a:r>
-            <a:r>
-              <a:rPr lang="zh-CN" altLang="en-US">
-                <a:sym typeface="+mn-ea"/>
-              </a:rPr>
-              <a:t>如果传入的</a:t>
+              <a:t>标准化；如果传入的</a:t>
             </a:r>
             <a:r>
               <a:rPr lang="en-US" altLang="zh-CN">
